--- a/Assesment Documents/Powerpoint/1.7 and 1.8 documentation.pptx
+++ b/Assesment Documents/Powerpoint/1.7 and 1.8 documentation.pptx
@@ -218,7 +218,7 @@
           <a:p>
             <a:fld id="{F37D28C0-BEB6-42B0-A203-EEE1023219C4}" type="datetimeFigureOut">
               <a:rPr lang="en-NZ" smtClean="0"/>
-              <a:t>10/05/22</a:t>
+              <a:t>11/05/22</a:t>
             </a:fld>
             <a:endParaRPr lang="en-NZ"/>
           </a:p>
@@ -1619,7 +1619,7 @@
           <a:p>
             <a:fld id="{9C4A4F43-1C06-40E6-8F87-8B286982E50E}" type="datetimeFigureOut">
               <a:rPr lang="en-NZ" smtClean="0"/>
-              <a:t>10/05/22</a:t>
+              <a:t>11/05/22</a:t>
             </a:fld>
             <a:endParaRPr lang="en-NZ" dirty="0"/>
           </a:p>
@@ -1819,7 +1819,7 @@
           <a:p>
             <a:fld id="{9C4A4F43-1C06-40E6-8F87-8B286982E50E}" type="datetimeFigureOut">
               <a:rPr lang="en-NZ" smtClean="0"/>
-              <a:t>10/05/22</a:t>
+              <a:t>11/05/22</a:t>
             </a:fld>
             <a:endParaRPr lang="en-NZ" dirty="0"/>
           </a:p>
@@ -2029,7 +2029,7 @@
           <a:p>
             <a:fld id="{9C4A4F43-1C06-40E6-8F87-8B286982E50E}" type="datetimeFigureOut">
               <a:rPr lang="en-NZ" smtClean="0"/>
-              <a:t>10/05/22</a:t>
+              <a:t>11/05/22</a:t>
             </a:fld>
             <a:endParaRPr lang="en-NZ" dirty="0"/>
           </a:p>
@@ -2588,7 +2588,7 @@
           <a:p>
             <a:fld id="{9C4A4F43-1C06-40E6-8F87-8B286982E50E}" type="datetimeFigureOut">
               <a:rPr lang="en-NZ" smtClean="0"/>
-              <a:t>10/05/22</a:t>
+              <a:t>11/05/22</a:t>
             </a:fld>
             <a:endParaRPr lang="en-NZ" dirty="0"/>
           </a:p>
@@ -2864,7 +2864,7 @@
           <a:p>
             <a:fld id="{9C4A4F43-1C06-40E6-8F87-8B286982E50E}" type="datetimeFigureOut">
               <a:rPr lang="en-NZ" smtClean="0"/>
-              <a:t>10/05/22</a:t>
+              <a:t>11/05/22</a:t>
             </a:fld>
             <a:endParaRPr lang="en-NZ" dirty="0"/>
           </a:p>
@@ -3132,7 +3132,7 @@
           <a:p>
             <a:fld id="{9C4A4F43-1C06-40E6-8F87-8B286982E50E}" type="datetimeFigureOut">
               <a:rPr lang="en-NZ" smtClean="0"/>
-              <a:t>10/05/22</a:t>
+              <a:t>11/05/22</a:t>
             </a:fld>
             <a:endParaRPr lang="en-NZ" dirty="0"/>
           </a:p>
@@ -3547,7 +3547,7 @@
           <a:p>
             <a:fld id="{9C4A4F43-1C06-40E6-8F87-8B286982E50E}" type="datetimeFigureOut">
               <a:rPr lang="en-NZ" smtClean="0"/>
-              <a:t>10/05/22</a:t>
+              <a:t>11/05/22</a:t>
             </a:fld>
             <a:endParaRPr lang="en-NZ" dirty="0"/>
           </a:p>
@@ -3689,7 +3689,7 @@
           <a:p>
             <a:fld id="{9C4A4F43-1C06-40E6-8F87-8B286982E50E}" type="datetimeFigureOut">
               <a:rPr lang="en-NZ" smtClean="0"/>
-              <a:t>10/05/22</a:t>
+              <a:t>11/05/22</a:t>
             </a:fld>
             <a:endParaRPr lang="en-NZ" dirty="0"/>
           </a:p>
@@ -3802,7 +3802,7 @@
           <a:p>
             <a:fld id="{9C4A4F43-1C06-40E6-8F87-8B286982E50E}" type="datetimeFigureOut">
               <a:rPr lang="en-NZ" smtClean="0"/>
-              <a:t>10/05/22</a:t>
+              <a:t>11/05/22</a:t>
             </a:fld>
             <a:endParaRPr lang="en-NZ" dirty="0"/>
           </a:p>
@@ -4115,7 +4115,7 @@
           <a:p>
             <a:fld id="{9C4A4F43-1C06-40E6-8F87-8B286982E50E}" type="datetimeFigureOut">
               <a:rPr lang="en-NZ" smtClean="0"/>
-              <a:t>10/05/22</a:t>
+              <a:t>11/05/22</a:t>
             </a:fld>
             <a:endParaRPr lang="en-NZ" dirty="0"/>
           </a:p>
@@ -4404,7 +4404,7 @@
           <a:p>
             <a:fld id="{9C4A4F43-1C06-40E6-8F87-8B286982E50E}" type="datetimeFigureOut">
               <a:rPr lang="en-NZ" smtClean="0"/>
-              <a:t>10/05/22</a:t>
+              <a:t>11/05/22</a:t>
             </a:fld>
             <a:endParaRPr lang="en-NZ" dirty="0"/>
           </a:p>
@@ -4647,7 +4647,7 @@
           <a:p>
             <a:fld id="{9C4A4F43-1C06-40E6-8F87-8B286982E50E}" type="datetimeFigureOut">
               <a:rPr lang="en-NZ" smtClean="0"/>
-              <a:t>10/05/22</a:t>
+              <a:t>11/05/22</a:t>
             </a:fld>
             <a:endParaRPr lang="en-NZ" dirty="0"/>
           </a:p>
@@ -6329,14 +6329,14 @@
           <p:nvPr>
             <p:extLst>
               <p:ext uri="{D42A27DB-BD31-4B8C-83A1-F6EECF244321}">
-                <p14:modId xmlns:p14="http://schemas.microsoft.com/office/powerpoint/2010/main" val="894729806"/>
+                <p14:modId xmlns:p14="http://schemas.microsoft.com/office/powerpoint/2010/main" val="903087181"/>
               </p:ext>
             </p:extLst>
           </p:nvPr>
         </p:nvGraphicFramePr>
         <p:xfrm>
           <a:off x="589280" y="1574800"/>
-          <a:ext cx="10515600" cy="1854200"/>
+          <a:ext cx="10515600" cy="2397760"/>
         </p:xfrm>
         <a:graphic>
           <a:graphicData uri="http://schemas.openxmlformats.org/drawingml/2006/table">
@@ -6399,7 +6399,10 @@
                     <a:bodyPr/>
                     <a:lstStyle/>
                     <a:p>
-                      <a:endParaRPr lang="en-NZ" dirty="0"/>
+                      <a:r>
+                        <a:rPr lang="en-NZ" dirty="0"/>
+                        <a:t>Functionality</a:t>
+                      </a:r>
                     </a:p>
                   </a:txBody>
                   <a:tcPr/>
@@ -6408,6 +6411,29 @@
                   <a:txBody>
                     <a:bodyPr/>
                     <a:lstStyle/>
+                    <a:p>
+                      <a:pPr marL="0" marR="0" lvl="0" indent="0" algn="l" defTabSz="914400" rtl="0" eaLnBrk="1" fontAlgn="auto" latinLnBrk="0" hangingPunct="1">
+                        <a:lnSpc>
+                          <a:spcPct val="100000"/>
+                        </a:lnSpc>
+                        <a:spcBef>
+                          <a:spcPts val="0"/>
+                        </a:spcBef>
+                        <a:spcAft>
+                          <a:spcPts val="0"/>
+                        </a:spcAft>
+                        <a:buClrTx/>
+                        <a:buSzTx/>
+                        <a:buFontTx/>
+                        <a:buNone/>
+                        <a:tabLst/>
+                        <a:defRPr/>
+                      </a:pPr>
+                      <a:r>
+                        <a:rPr lang="en-NZ" dirty="0"/>
+                        <a:t>Functionality is about making sure your program works the way you have designed it, and that it functions the way you made it.</a:t>
+                      </a:r>
+                    </a:p>
                     <a:p>
                       <a:endParaRPr lang="en-NZ" dirty="0"/>
                     </a:p>
@@ -6426,7 +6452,10 @@
                     <a:bodyPr/>
                     <a:lstStyle/>
                     <a:p>
-                      <a:endParaRPr lang="en-NZ" dirty="0"/>
+                      <a:r>
+                        <a:rPr lang="en-NZ" dirty="0"/>
+                        <a:t>Usability</a:t>
+                      </a:r>
                     </a:p>
                   </a:txBody>
                   <a:tcPr/>
@@ -6453,7 +6482,10 @@
                     <a:bodyPr/>
                     <a:lstStyle/>
                     <a:p>
-                      <a:endParaRPr lang="en-NZ" dirty="0"/>
+                      <a:r>
+                        <a:rPr lang="en-NZ" dirty="0"/>
+                        <a:t>Aesthetics</a:t>
+                      </a:r>
                     </a:p>
                   </a:txBody>
                   <a:tcPr/>
@@ -7864,14 +7896,6 @@
 </file>
 
 <file path=customXml/item1.xml><?xml version="1.0" encoding="utf-8"?>
-<p:properties xmlns:p="http://schemas.microsoft.com/office/2006/metadata/properties" xmlns:xsi="http://www.w3.org/2001/XMLSchema-instance" xmlns:pc="http://schemas.microsoft.com/office/infopath/2007/PartnerControls">
-  <documentManagement>
-    <ReferenceId xmlns="3ac145f2-9803-46f6-b702-374493710c2e" xsi:nil="true"/>
-  </documentManagement>
-</p:properties>
-</file>
-
-<file path=customXml/item2.xml><?xml version="1.0" encoding="utf-8"?>
 <ct:contentTypeSchema xmlns:ct="http://schemas.microsoft.com/office/2006/metadata/contentType" xmlns:ma="http://schemas.microsoft.com/office/2006/metadata/properties/metaAttributes" ct:_="" ma:_="" ma:contentTypeName="Document" ma:contentTypeID="0x010100CE75DA83D22F8E48BAC825FC32A1856B" ma:contentTypeVersion="9" ma:contentTypeDescription="Create a new document." ma:contentTypeScope="" ma:versionID="7fb70ad076869fe0f0573ac3521d6468">
   <xsd:schema xmlns:xsd="http://www.w3.org/2001/XMLSchema" xmlns:xs="http://www.w3.org/2001/XMLSchema" xmlns:p="http://schemas.microsoft.com/office/2006/metadata/properties" xmlns:ns2="3ac145f2-9803-46f6-b702-374493710c2e" xmlns:ns3="f8614448-f46c-4880-8b68-17c914e2801b" targetNamespace="http://schemas.microsoft.com/office/2006/metadata/properties" ma:root="true" ma:fieldsID="f374b0e902821a9a4c3006c60326a7a1" ns2:_="" ns3:_="">
     <xsd:import namespace="3ac145f2-9803-46f6-b702-374493710c2e"/>
@@ -8068,6 +8092,14 @@
 </ct:contentTypeSchema>
 </file>
 
+<file path=customXml/item2.xml><?xml version="1.0" encoding="utf-8"?>
+<p:properties xmlns:p="http://schemas.microsoft.com/office/2006/metadata/properties" xmlns:xsi="http://www.w3.org/2001/XMLSchema-instance" xmlns:pc="http://schemas.microsoft.com/office/infopath/2007/PartnerControls">
+  <documentManagement>
+    <ReferenceId xmlns="3ac145f2-9803-46f6-b702-374493710c2e" xsi:nil="true"/>
+  </documentManagement>
+</p:properties>
+</file>
+
 <file path=customXml/item3.xml><?xml version="1.0" encoding="utf-8"?>
 <?mso-contentType ?>
 <FormTemplates xmlns="http://schemas.microsoft.com/sharepoint/v3/contenttype/forms">
@@ -8078,16 +8110,6 @@
 </file>
 
 <file path=customXml/itemProps1.xml><?xml version="1.0" encoding="utf-8"?>
-<ds:datastoreItem xmlns:ds="http://schemas.openxmlformats.org/officeDocument/2006/customXml" ds:itemID="{8CCE1432-2915-4013-A40F-C8CBF1E90797}">
-  <ds:schemaRefs>
-    <ds:schemaRef ds:uri="http://schemas.microsoft.com/office/2006/metadata/properties"/>
-    <ds:schemaRef ds:uri="http://schemas.microsoft.com/office/infopath/2007/PartnerControls"/>
-    <ds:schemaRef ds:uri="3ac145f2-9803-46f6-b702-374493710c2e"/>
-  </ds:schemaRefs>
-</ds:datastoreItem>
-</file>
-
-<file path=customXml/itemProps2.xml><?xml version="1.0" encoding="utf-8"?>
 <ds:datastoreItem xmlns:ds="http://schemas.openxmlformats.org/officeDocument/2006/customXml" ds:itemID="{ED51ADB2-214E-46BA-8DE1-A63839197C2E}">
   <ds:schemaRefs>
     <ds:schemaRef ds:uri="http://schemas.microsoft.com/office/2006/metadata/contentType"/>
@@ -8106,6 +8128,16 @@
 </ds:datastoreItem>
 </file>
 
+<file path=customXml/itemProps2.xml><?xml version="1.0" encoding="utf-8"?>
+<ds:datastoreItem xmlns:ds="http://schemas.openxmlformats.org/officeDocument/2006/customXml" ds:itemID="{8CCE1432-2915-4013-A40F-C8CBF1E90797}">
+  <ds:schemaRefs>
+    <ds:schemaRef ds:uri="http://schemas.microsoft.com/office/2006/metadata/properties"/>
+    <ds:schemaRef ds:uri="http://schemas.microsoft.com/office/infopath/2007/PartnerControls"/>
+    <ds:schemaRef ds:uri="3ac145f2-9803-46f6-b702-374493710c2e"/>
+  </ds:schemaRefs>
+</ds:datastoreItem>
+</file>
+
 <file path=customXml/itemProps3.xml><?xml version="1.0" encoding="utf-8"?>
 <ds:datastoreItem xmlns:ds="http://schemas.openxmlformats.org/officeDocument/2006/customXml" ds:itemID="{3BCB4A51-04B8-4D9E-A104-35DBDC6B39D6}">
   <ds:schemaRefs>

--- a/Assesment Documents/Powerpoint/1.7 and 1.8 documentation.pptx
+++ b/Assesment Documents/Powerpoint/1.7 and 1.8 documentation.pptx
@@ -218,7 +218,7 @@
           <a:p>
             <a:fld id="{F37D28C0-BEB6-42B0-A203-EEE1023219C4}" type="datetimeFigureOut">
               <a:rPr lang="en-NZ" smtClean="0"/>
-              <a:t>11/05/22</a:t>
+              <a:t>16/05/22</a:t>
             </a:fld>
             <a:endParaRPr lang="en-NZ"/>
           </a:p>
@@ -1619,7 +1619,7 @@
           <a:p>
             <a:fld id="{9C4A4F43-1C06-40E6-8F87-8B286982E50E}" type="datetimeFigureOut">
               <a:rPr lang="en-NZ" smtClean="0"/>
-              <a:t>11/05/22</a:t>
+              <a:t>16/05/22</a:t>
             </a:fld>
             <a:endParaRPr lang="en-NZ" dirty="0"/>
           </a:p>
@@ -1819,7 +1819,7 @@
           <a:p>
             <a:fld id="{9C4A4F43-1C06-40E6-8F87-8B286982E50E}" type="datetimeFigureOut">
               <a:rPr lang="en-NZ" smtClean="0"/>
-              <a:t>11/05/22</a:t>
+              <a:t>16/05/22</a:t>
             </a:fld>
             <a:endParaRPr lang="en-NZ" dirty="0"/>
           </a:p>
@@ -2029,7 +2029,7 @@
           <a:p>
             <a:fld id="{9C4A4F43-1C06-40E6-8F87-8B286982E50E}" type="datetimeFigureOut">
               <a:rPr lang="en-NZ" smtClean="0"/>
-              <a:t>11/05/22</a:t>
+              <a:t>16/05/22</a:t>
             </a:fld>
             <a:endParaRPr lang="en-NZ" dirty="0"/>
           </a:p>
@@ -2588,7 +2588,7 @@
           <a:p>
             <a:fld id="{9C4A4F43-1C06-40E6-8F87-8B286982E50E}" type="datetimeFigureOut">
               <a:rPr lang="en-NZ" smtClean="0"/>
-              <a:t>11/05/22</a:t>
+              <a:t>16/05/22</a:t>
             </a:fld>
             <a:endParaRPr lang="en-NZ" dirty="0"/>
           </a:p>
@@ -2864,7 +2864,7 @@
           <a:p>
             <a:fld id="{9C4A4F43-1C06-40E6-8F87-8B286982E50E}" type="datetimeFigureOut">
               <a:rPr lang="en-NZ" smtClean="0"/>
-              <a:t>11/05/22</a:t>
+              <a:t>16/05/22</a:t>
             </a:fld>
             <a:endParaRPr lang="en-NZ" dirty="0"/>
           </a:p>
@@ -3132,7 +3132,7 @@
           <a:p>
             <a:fld id="{9C4A4F43-1C06-40E6-8F87-8B286982E50E}" type="datetimeFigureOut">
               <a:rPr lang="en-NZ" smtClean="0"/>
-              <a:t>11/05/22</a:t>
+              <a:t>16/05/22</a:t>
             </a:fld>
             <a:endParaRPr lang="en-NZ" dirty="0"/>
           </a:p>
@@ -3547,7 +3547,7 @@
           <a:p>
             <a:fld id="{9C4A4F43-1C06-40E6-8F87-8B286982E50E}" type="datetimeFigureOut">
               <a:rPr lang="en-NZ" smtClean="0"/>
-              <a:t>11/05/22</a:t>
+              <a:t>16/05/22</a:t>
             </a:fld>
             <a:endParaRPr lang="en-NZ" dirty="0"/>
           </a:p>
@@ -3689,7 +3689,7 @@
           <a:p>
             <a:fld id="{9C4A4F43-1C06-40E6-8F87-8B286982E50E}" type="datetimeFigureOut">
               <a:rPr lang="en-NZ" smtClean="0"/>
-              <a:t>11/05/22</a:t>
+              <a:t>16/05/22</a:t>
             </a:fld>
             <a:endParaRPr lang="en-NZ" dirty="0"/>
           </a:p>
@@ -3802,7 +3802,7 @@
           <a:p>
             <a:fld id="{9C4A4F43-1C06-40E6-8F87-8B286982E50E}" type="datetimeFigureOut">
               <a:rPr lang="en-NZ" smtClean="0"/>
-              <a:t>11/05/22</a:t>
+              <a:t>16/05/22</a:t>
             </a:fld>
             <a:endParaRPr lang="en-NZ" dirty="0"/>
           </a:p>
@@ -4115,7 +4115,7 @@
           <a:p>
             <a:fld id="{9C4A4F43-1C06-40E6-8F87-8B286982E50E}" type="datetimeFigureOut">
               <a:rPr lang="en-NZ" smtClean="0"/>
-              <a:t>11/05/22</a:t>
+              <a:t>16/05/22</a:t>
             </a:fld>
             <a:endParaRPr lang="en-NZ" dirty="0"/>
           </a:p>
@@ -4404,7 +4404,7 @@
           <a:p>
             <a:fld id="{9C4A4F43-1C06-40E6-8F87-8B286982E50E}" type="datetimeFigureOut">
               <a:rPr lang="en-NZ" smtClean="0"/>
-              <a:t>11/05/22</a:t>
+              <a:t>16/05/22</a:t>
             </a:fld>
             <a:endParaRPr lang="en-NZ" dirty="0"/>
           </a:p>
@@ -4647,7 +4647,7 @@
           <a:p>
             <a:fld id="{9C4A4F43-1C06-40E6-8F87-8B286982E50E}" type="datetimeFigureOut">
               <a:rPr lang="en-NZ" smtClean="0"/>
-              <a:t>11/05/22</a:t>
+              <a:t>16/05/22</a:t>
             </a:fld>
             <a:endParaRPr lang="en-NZ" dirty="0"/>
           </a:p>
@@ -6329,14 +6329,14 @@
           <p:nvPr>
             <p:extLst>
               <p:ext uri="{D42A27DB-BD31-4B8C-83A1-F6EECF244321}">
-                <p14:modId xmlns:p14="http://schemas.microsoft.com/office/powerpoint/2010/main" val="903087181"/>
+                <p14:modId xmlns:p14="http://schemas.microsoft.com/office/powerpoint/2010/main" val="2585822278"/>
               </p:ext>
             </p:extLst>
           </p:nvPr>
         </p:nvGraphicFramePr>
         <p:xfrm>
           <a:off x="589280" y="1574800"/>
-          <a:ext cx="10515600" cy="2397760"/>
+          <a:ext cx="10515600" cy="3205480"/>
         </p:xfrm>
         <a:graphic>
           <a:graphicData uri="http://schemas.openxmlformats.org/drawingml/2006/table">
@@ -6431,10 +6431,12 @@
                       </a:pPr>
                       <a:r>
                         <a:rPr lang="en-NZ" dirty="0"/>
-                        <a:t>Functionality is about making sure your program works the way you have designed it, and that it functions the way you made it.</a:t>
+                        <a:t>Functionality is about making sure your program works the way you have designed it, and that it functions the way you made </a:t>
                       </a:r>
-                    </a:p>
-                    <a:p>
+                      <a:r>
+                        <a:rPr lang="en-NZ"/>
+                        <a:t>it.</a:t>
+                      </a:r>
                       <a:endParaRPr lang="en-NZ" dirty="0"/>
                     </a:p>
                   </a:txBody>
@@ -6465,7 +6467,27 @@
                     <a:bodyPr/>
                     <a:lstStyle/>
                     <a:p>
-                      <a:endParaRPr lang="en-NZ" dirty="0"/>
+                      <a:pPr marL="0" marR="0" lvl="0" indent="0" algn="l" defTabSz="914400" rtl="0" eaLnBrk="1" fontAlgn="auto" latinLnBrk="0" hangingPunct="1">
+                        <a:lnSpc>
+                          <a:spcPct val="100000"/>
+                        </a:lnSpc>
+                        <a:spcBef>
+                          <a:spcPts val="0"/>
+                        </a:spcBef>
+                        <a:spcAft>
+                          <a:spcPts val="0"/>
+                        </a:spcAft>
+                        <a:buClrTx/>
+                        <a:buSzTx/>
+                        <a:buFontTx/>
+                        <a:buNone/>
+                        <a:tabLst/>
+                        <a:defRPr/>
+                      </a:pPr>
+                      <a:r>
+                        <a:rPr lang="en-NZ" dirty="0"/>
+                        <a:t>Usability is about making sure that the program is easy to use, and that the program can do what it needs to do</a:t>
+                      </a:r>
                     </a:p>
                   </a:txBody>
                   <a:tcPr/>
@@ -6495,7 +6517,27 @@
                     <a:bodyPr/>
                     <a:lstStyle/>
                     <a:p>
-                      <a:endParaRPr lang="en-NZ" dirty="0"/>
+                      <a:pPr marL="0" marR="0" lvl="0" indent="0" algn="l" defTabSz="914400" rtl="0" eaLnBrk="1" fontAlgn="auto" latinLnBrk="0" hangingPunct="1">
+                        <a:lnSpc>
+                          <a:spcPct val="100000"/>
+                        </a:lnSpc>
+                        <a:spcBef>
+                          <a:spcPts val="0"/>
+                        </a:spcBef>
+                        <a:spcAft>
+                          <a:spcPts val="0"/>
+                        </a:spcAft>
+                        <a:buClrTx/>
+                        <a:buSzTx/>
+                        <a:buFontTx/>
+                        <a:buNone/>
+                        <a:tabLst/>
+                        <a:defRPr/>
+                      </a:pPr>
+                      <a:r>
+                        <a:rPr lang="en-NZ" dirty="0"/>
+                        <a:t>Aesthetics is about what and how your program looks. If a program looks good, it will function with the intent that you have. If it doesn't look formatted, you might find several errors in the code</a:t>
+                      </a:r>
                     </a:p>
                   </a:txBody>
                   <a:tcPr/>
@@ -6512,7 +6554,10 @@
                     <a:bodyPr/>
                     <a:lstStyle/>
                     <a:p>
-                      <a:endParaRPr lang="en-NZ" dirty="0"/>
+                      <a:r>
+                        <a:rPr lang="en-NZ" dirty="0"/>
+                        <a:t>Society</a:t>
+                      </a:r>
                     </a:p>
                   </a:txBody>
                   <a:tcPr/>
@@ -6522,7 +6567,27 @@
                     <a:bodyPr/>
                     <a:lstStyle/>
                     <a:p>
-                      <a:endParaRPr lang="en-NZ" dirty="0"/>
+                      <a:pPr marL="0" marR="0" lvl="0" indent="0" algn="l" defTabSz="914400" rtl="0" eaLnBrk="1" fontAlgn="auto" latinLnBrk="0" hangingPunct="1">
+                        <a:lnSpc>
+                          <a:spcPct val="100000"/>
+                        </a:lnSpc>
+                        <a:spcBef>
+                          <a:spcPts val="0"/>
+                        </a:spcBef>
+                        <a:spcAft>
+                          <a:spcPts val="0"/>
+                        </a:spcAft>
+                        <a:buClrTx/>
+                        <a:buSzTx/>
+                        <a:buFontTx/>
+                        <a:buNone/>
+                        <a:tabLst/>
+                        <a:defRPr/>
+                      </a:pPr>
+                      <a:r>
+                        <a:rPr lang="en-NZ" dirty="0"/>
+                        <a:t>Social is about the outcome of your program affects the users of it, and the community/society.</a:t>
+                      </a:r>
                     </a:p>
                   </a:txBody>
                   <a:tcPr/>
@@ -7896,6 +7961,14 @@
 </file>
 
 <file path=customXml/item1.xml><?xml version="1.0" encoding="utf-8"?>
+<p:properties xmlns:p="http://schemas.microsoft.com/office/2006/metadata/properties" xmlns:xsi="http://www.w3.org/2001/XMLSchema-instance" xmlns:pc="http://schemas.microsoft.com/office/infopath/2007/PartnerControls">
+  <documentManagement>
+    <ReferenceId xmlns="3ac145f2-9803-46f6-b702-374493710c2e" xsi:nil="true"/>
+  </documentManagement>
+</p:properties>
+</file>
+
+<file path=customXml/item2.xml><?xml version="1.0" encoding="utf-8"?>
 <ct:contentTypeSchema xmlns:ct="http://schemas.microsoft.com/office/2006/metadata/contentType" xmlns:ma="http://schemas.microsoft.com/office/2006/metadata/properties/metaAttributes" ct:_="" ma:_="" ma:contentTypeName="Document" ma:contentTypeID="0x010100CE75DA83D22F8E48BAC825FC32A1856B" ma:contentTypeVersion="9" ma:contentTypeDescription="Create a new document." ma:contentTypeScope="" ma:versionID="7fb70ad076869fe0f0573ac3521d6468">
   <xsd:schema xmlns:xsd="http://www.w3.org/2001/XMLSchema" xmlns:xs="http://www.w3.org/2001/XMLSchema" xmlns:p="http://schemas.microsoft.com/office/2006/metadata/properties" xmlns:ns2="3ac145f2-9803-46f6-b702-374493710c2e" xmlns:ns3="f8614448-f46c-4880-8b68-17c914e2801b" targetNamespace="http://schemas.microsoft.com/office/2006/metadata/properties" ma:root="true" ma:fieldsID="f374b0e902821a9a4c3006c60326a7a1" ns2:_="" ns3:_="">
     <xsd:import namespace="3ac145f2-9803-46f6-b702-374493710c2e"/>
@@ -8092,14 +8165,6 @@
 </ct:contentTypeSchema>
 </file>
 
-<file path=customXml/item2.xml><?xml version="1.0" encoding="utf-8"?>
-<p:properties xmlns:p="http://schemas.microsoft.com/office/2006/metadata/properties" xmlns:xsi="http://www.w3.org/2001/XMLSchema-instance" xmlns:pc="http://schemas.microsoft.com/office/infopath/2007/PartnerControls">
-  <documentManagement>
-    <ReferenceId xmlns="3ac145f2-9803-46f6-b702-374493710c2e" xsi:nil="true"/>
-  </documentManagement>
-</p:properties>
-</file>
-
 <file path=customXml/item3.xml><?xml version="1.0" encoding="utf-8"?>
 <?mso-contentType ?>
 <FormTemplates xmlns="http://schemas.microsoft.com/sharepoint/v3/contenttype/forms">
@@ -8110,6 +8175,16 @@
 </file>
 
 <file path=customXml/itemProps1.xml><?xml version="1.0" encoding="utf-8"?>
+<ds:datastoreItem xmlns:ds="http://schemas.openxmlformats.org/officeDocument/2006/customXml" ds:itemID="{8CCE1432-2915-4013-A40F-C8CBF1E90797}">
+  <ds:schemaRefs>
+    <ds:schemaRef ds:uri="http://schemas.microsoft.com/office/2006/metadata/properties"/>
+    <ds:schemaRef ds:uri="http://schemas.microsoft.com/office/infopath/2007/PartnerControls"/>
+    <ds:schemaRef ds:uri="3ac145f2-9803-46f6-b702-374493710c2e"/>
+  </ds:schemaRefs>
+</ds:datastoreItem>
+</file>
+
+<file path=customXml/itemProps2.xml><?xml version="1.0" encoding="utf-8"?>
 <ds:datastoreItem xmlns:ds="http://schemas.openxmlformats.org/officeDocument/2006/customXml" ds:itemID="{ED51ADB2-214E-46BA-8DE1-A63839197C2E}">
   <ds:schemaRefs>
     <ds:schemaRef ds:uri="http://schemas.microsoft.com/office/2006/metadata/contentType"/>
@@ -8128,16 +8203,6 @@
 </ds:datastoreItem>
 </file>
 
-<file path=customXml/itemProps2.xml><?xml version="1.0" encoding="utf-8"?>
-<ds:datastoreItem xmlns:ds="http://schemas.openxmlformats.org/officeDocument/2006/customXml" ds:itemID="{8CCE1432-2915-4013-A40F-C8CBF1E90797}">
-  <ds:schemaRefs>
-    <ds:schemaRef ds:uri="http://schemas.microsoft.com/office/2006/metadata/properties"/>
-    <ds:schemaRef ds:uri="http://schemas.microsoft.com/office/infopath/2007/PartnerControls"/>
-    <ds:schemaRef ds:uri="3ac145f2-9803-46f6-b702-374493710c2e"/>
-  </ds:schemaRefs>
-</ds:datastoreItem>
-</file>
-
 <file path=customXml/itemProps3.xml><?xml version="1.0" encoding="utf-8"?>
 <ds:datastoreItem xmlns:ds="http://schemas.openxmlformats.org/officeDocument/2006/customXml" ds:itemID="{3BCB4A51-04B8-4D9E-A104-35DBDC6B39D6}">
   <ds:schemaRefs>
